--- a/File4.pptx
+++ b/File4.pptx
@@ -3111,8 +3111,8 @@
           <a:lstStyle/>
           <a:p>
             <a:r>
-              <a:rPr lang="en-CA" dirty="0" smtClean="0"/>
-              <a:t>Title</a:t>
+              <a:rPr lang="en-CA" smtClean="0"/>
+              <a:t>Title Update</a:t>
             </a:r>
             <a:endParaRPr lang="en-US" dirty="0"/>
           </a:p>
